--- a/Presentations/P1.4 - Enunciats.pptx
+++ b/Presentations/P1.4 - Enunciats.pptx
@@ -418,7 +418,7 @@
         <p:spPr>
           <a:xfrm>
             <a:off x="1143210" y="685800"/>
-            <a:ext cx="4572225" cy="3429000"/>
+            <a:ext cx="4572299" cy="3429000"/>
           </a:xfrm>
           <a:custGeom>
             <a:pathLst>
@@ -474,7 +474,7 @@
           </a:bodyPr>
           <a:lstStyle/>
           <a:p>
-            <a:pPr lvl="0">
+            <a:pPr lvl="0" rtl="0">
               <a:spcBef>
                 <a:spcPts val="0"/>
               </a:spcBef>
@@ -4806,8 +4806,8 @@
         </p:nvSpPr>
         <p:spPr>
           <a:xfrm>
-            <a:off x="0" y="1581825"/>
-            <a:ext cx="9144000" cy="2075700"/>
+            <a:off x="0" y="1429425"/>
+            <a:ext cx="9144000" cy="1046400"/>
           </a:xfrm>
           <a:prstGeom prst="rect">
             <a:avLst/>
@@ -4835,26 +4835,70 @@
                 <a:cs typeface="Open Sans"/>
                 <a:sym typeface="Open Sans"/>
               </a:rPr>
-              <a:t>Aplicacions mòbils amb </a:t>
-            </a:r>
-            <a:r>
-              <a:rPr lang="en" sz="7200">
-                <a:solidFill>
-                  <a:srgbClr val="FFFFFF"/>
-                </a:solidFill>
-                <a:latin typeface="Open Sans"/>
-                <a:ea typeface="Open Sans"/>
-                <a:cs typeface="Open Sans"/>
-                <a:sym typeface="Open Sans"/>
-              </a:rPr>
-              <a:t>        </a:t>
+              <a:t>Apps mòbils amb</a:t>
             </a:r>
           </a:p>
         </p:txBody>
       </p:sp>
-      <p:sp>
-        <p:nvSpPr>
+      <p:pic>
+        <p:nvPicPr>
           <p:cNvPr id="60" name="Shape 60"/>
+          <p:cNvPicPr preferRelativeResize="0"/>
+          <p:nvPr/>
+        </p:nvPicPr>
+        <p:blipFill>
+          <a:blip r:embed="rId3">
+            <a:alphaModFix/>
+          </a:blip>
+          <a:stretch>
+            <a:fillRect/>
+          </a:stretch>
+        </p:blipFill>
+        <p:spPr>
+          <a:xfrm>
+            <a:off x="3066392" y="2603249"/>
+            <a:ext cx="3011210" cy="1046400"/>
+          </a:xfrm>
+          <a:prstGeom prst="rect">
+            <a:avLst/>
+          </a:prstGeom>
+          <a:noFill/>
+          <a:ln>
+            <a:noFill/>
+          </a:ln>
+        </p:spPr>
+      </p:pic>
+      <p:pic>
+        <p:nvPicPr>
+          <p:cNvPr id="61" name="Shape 61"/>
+          <p:cNvPicPr preferRelativeResize="0"/>
+          <p:nvPr/>
+        </p:nvPicPr>
+        <p:blipFill>
+          <a:blip r:embed="rId4">
+            <a:alphaModFix/>
+          </a:blip>
+          <a:stretch>
+            <a:fillRect/>
+          </a:stretch>
+        </p:blipFill>
+        <p:spPr>
+          <a:xfrm>
+            <a:off x="7235601" y="5946022"/>
+            <a:ext cx="1545699" cy="541974"/>
+          </a:xfrm>
+          <a:prstGeom prst="rect">
+            <a:avLst/>
+          </a:prstGeom>
+          <a:noFill/>
+          <a:ln>
+            <a:noFill/>
+          </a:ln>
+        </p:spPr>
+      </p:pic>
+      <p:sp>
+        <p:nvSpPr>
+          <p:cNvPr id="62" name="Shape 62"/>
           <p:cNvSpPr txBox="1"/>
           <p:nvPr>
             <p:ph idx="1" type="subTitle"/>
@@ -4896,62 +4940,6 @@
           </a:p>
         </p:txBody>
       </p:sp>
-      <p:pic>
-        <p:nvPicPr>
-          <p:cNvPr id="61" name="Shape 61"/>
-          <p:cNvPicPr preferRelativeResize="0"/>
-          <p:nvPr/>
-        </p:nvPicPr>
-        <p:blipFill>
-          <a:blip r:embed="rId3">
-            <a:alphaModFix/>
-          </a:blip>
-          <a:stretch>
-            <a:fillRect/>
-          </a:stretch>
-        </p:blipFill>
-        <p:spPr>
-          <a:xfrm>
-            <a:off x="4608092" y="2522199"/>
-            <a:ext cx="3011210" cy="1046400"/>
-          </a:xfrm>
-          <a:prstGeom prst="rect">
-            <a:avLst/>
-          </a:prstGeom>
-          <a:noFill/>
-          <a:ln>
-            <a:noFill/>
-          </a:ln>
-        </p:spPr>
-      </p:pic>
-      <p:pic>
-        <p:nvPicPr>
-          <p:cNvPr id="62" name="Shape 62"/>
-          <p:cNvPicPr preferRelativeResize="0"/>
-          <p:nvPr/>
-        </p:nvPicPr>
-        <p:blipFill>
-          <a:blip r:embed="rId4">
-            <a:alphaModFix/>
-          </a:blip>
-          <a:stretch>
-            <a:fillRect/>
-          </a:stretch>
-        </p:blipFill>
-        <p:spPr>
-          <a:xfrm>
-            <a:off x="7235601" y="5946022"/>
-            <a:ext cx="1545699" cy="541974"/>
-          </a:xfrm>
-          <a:prstGeom prst="rect">
-            <a:avLst/>
-          </a:prstGeom>
-          <a:noFill/>
-          <a:ln>
-            <a:noFill/>
-          </a:ln>
-        </p:spPr>
-      </p:pic>
     </p:spTree>
   </p:cSld>
   <p:clrMapOvr>

--- a/Presentations/P1.4 - Enunciats.pptx
+++ b/Presentations/P1.4 - Enunciats.pptx
@@ -15,16 +15,19 @@
     <p:sldId id="260" r:id="rId9"/>
     <p:sldId id="261" r:id="rId10"/>
     <p:sldId id="262" r:id="rId11"/>
+    <p:sldId id="263" r:id="rId12"/>
+    <p:sldId id="264" r:id="rId13"/>
+    <p:sldId id="265" r:id="rId14"/>
   </p:sldIdLst>
   <p:sldSz cy="6858000" cx="9144000"/>
   <p:notesSz cx="6858000" cy="9144000"/>
   <p:embeddedFontLst>
     <p:embeddedFont>
       <p:font typeface="Open Sans"/>
-      <p:regular r:id="rId12"/>
-      <p:bold r:id="rId13"/>
-      <p:italic r:id="rId14"/>
-      <p:boldItalic r:id="rId15"/>
+      <p:regular r:id="rId15"/>
+      <p:bold r:id="rId16"/>
+      <p:italic r:id="rId17"/>
+      <p:boldItalic r:id="rId18"/>
     </p:embeddedFont>
   </p:embeddedFontLst>
   <p:defaultTextStyle>
@@ -439,16 +442,6 @@
               </a:path>
             </a:pathLst>
           </a:custGeom>
-          <a:noFill/>
-          <a:ln cap="flat" cmpd="sng" w="9525">
-            <a:solidFill>
-              <a:srgbClr val="000000"/>
-            </a:solidFill>
-            <a:prstDash val="solid"/>
-            <a:round/>
-            <a:headEnd len="med" w="med" type="none"/>
-            <a:tailEnd len="med" w="med" type="none"/>
-          </a:ln>
         </p:spPr>
       </p:sp>
       <p:sp>
@@ -544,16 +537,6 @@
               </a:path>
             </a:pathLst>
           </a:custGeom>
-          <a:noFill/>
-          <a:ln cap="flat" cmpd="sng" w="9525">
-            <a:solidFill>
-              <a:srgbClr val="000000"/>
-            </a:solidFill>
-            <a:prstDash val="solid"/>
-            <a:round/>
-            <a:headEnd len="med" w="med" type="none"/>
-            <a:tailEnd len="med" w="med" type="none"/>
-          </a:ln>
         </p:spPr>
       </p:sp>
       <p:sp>
@@ -649,16 +632,6 @@
               </a:path>
             </a:pathLst>
           </a:custGeom>
-          <a:noFill/>
-          <a:ln cap="flat" cmpd="sng" w="9525">
-            <a:solidFill>
-              <a:srgbClr val="000000"/>
-            </a:solidFill>
-            <a:prstDash val="solid"/>
-            <a:round/>
-            <a:headEnd len="med" w="med" type="none"/>
-            <a:tailEnd len="med" w="med" type="none"/>
-          </a:ln>
         </p:spPr>
       </p:sp>
       <p:sp>
@@ -691,9 +664,17 @@
               <a:buNone/>
             </a:pPr>
             <a:r>
-              <a:t/>
+              <a:rPr lang="en" sz="1400">
+                <a:solidFill>
+                  <a:schemeClr val="dk1"/>
+                </a:solidFill>
+                <a:latin typeface="Open Sans"/>
+                <a:ea typeface="Open Sans"/>
+                <a:cs typeface="Open Sans"/>
+                <a:sym typeface="Open Sans"/>
+              </a:rPr>
+              <a:t>https://creately.com/app/?tempID=gc7qvpsj1&amp;login_type=demo#</a:t>
             </a:r>
-            <a:endParaRPr/>
           </a:p>
         </p:txBody>
       </p:sp>
@@ -754,16 +735,6 @@
               </a:path>
             </a:pathLst>
           </a:custGeom>
-          <a:noFill/>
-          <a:ln cap="flat" cmpd="sng" w="9525">
-            <a:solidFill>
-              <a:srgbClr val="000000"/>
-            </a:solidFill>
-            <a:prstDash val="solid"/>
-            <a:round/>
-            <a:headEnd len="med" w="med" type="none"/>
-            <a:tailEnd len="med" w="med" type="none"/>
-          </a:ln>
         </p:spPr>
       </p:sp>
       <p:sp>
@@ -789,7 +760,7 @@
           </a:bodyPr>
           <a:lstStyle/>
           <a:p>
-            <a:pPr lvl="0" rtl="0">
+            <a:pPr lvl="0">
               <a:spcBef>
                 <a:spcPts val="0"/>
               </a:spcBef>
@@ -815,7 +786,7 @@
   <p:cSld>
     <p:spTree>
       <p:nvGrpSpPr>
-        <p:cNvPr id="89" name="Shape 89"/>
+        <p:cNvPr id="88" name="Shape 88"/>
         <p:cNvGrpSpPr/>
         <p:nvPr/>
       </p:nvGrpSpPr>
@@ -829,7 +800,7 @@
       </p:grpSpPr>
       <p:sp>
         <p:nvSpPr>
-          <p:cNvPr id="90" name="Shape 90"/>
+          <p:cNvPr id="89" name="Shape 89"/>
           <p:cNvSpPr/>
           <p:nvPr>
             <p:ph idx="2" type="sldImg"/>
@@ -859,21 +830,11 @@
               </a:path>
             </a:pathLst>
           </a:custGeom>
-          <a:noFill/>
-          <a:ln cap="flat" cmpd="sng" w="9525">
-            <a:solidFill>
-              <a:srgbClr val="000000"/>
-            </a:solidFill>
-            <a:prstDash val="solid"/>
-            <a:round/>
-            <a:headEnd len="med" w="med" type="none"/>
-            <a:tailEnd len="med" w="med" type="none"/>
-          </a:ln>
-        </p:spPr>
-      </p:sp>
-      <p:sp>
-        <p:nvSpPr>
-          <p:cNvPr id="91" name="Shape 91"/>
+        </p:spPr>
+      </p:sp>
+      <p:sp>
+        <p:nvSpPr>
+          <p:cNvPr id="90" name="Shape 90"/>
           <p:cNvSpPr txBox="1"/>
           <p:nvPr>
             <p:ph idx="1" type="body"/>
@@ -964,16 +925,6 @@
               </a:path>
             </a:pathLst>
           </a:custGeom>
-          <a:noFill/>
-          <a:ln cap="flat" cmpd="sng" w="9525">
-            <a:solidFill>
-              <a:srgbClr val="000000"/>
-            </a:solidFill>
-            <a:prstDash val="solid"/>
-            <a:round/>
-            <a:headEnd len="med" w="med" type="none"/>
-            <a:tailEnd len="med" w="med" type="none"/>
-          </a:ln>
         </p:spPr>
       </p:sp>
       <p:sp>
@@ -998,6 +949,31 @@
             <a:noAutofit/>
           </a:bodyPr>
           <a:lstStyle/>
+          <a:p>
+            <a:pPr lvl="0" rtl="0">
+              <a:spcBef>
+                <a:spcPts val="0"/>
+              </a:spcBef>
+              <a:buClr>
+                <a:schemeClr val="dk1"/>
+              </a:buClr>
+              <a:buSzPct val="78571"/>
+              <a:buFont typeface="Arial"/>
+              <a:buNone/>
+            </a:pPr>
+            <a:r>
+              <a:rPr lang="en" sz="1400">
+                <a:solidFill>
+                  <a:schemeClr val="dk1"/>
+                </a:solidFill>
+                <a:latin typeface="Open Sans"/>
+                <a:ea typeface="Open Sans"/>
+                <a:cs typeface="Open Sans"/>
+                <a:sym typeface="Open Sans"/>
+              </a:rPr>
+              <a:t>https://creately.com/app/?tempID=gc7qvpsj1&amp;login_type=demo#</a:t>
+            </a:r>
+          </a:p>
           <a:p>
             <a:pPr lvl="0" rtl="0">
               <a:spcBef>
@@ -1025,7 +1001,7 @@
   <p:cSld>
     <p:spTree>
       <p:nvGrpSpPr>
-        <p:cNvPr id="109" name="Shape 109"/>
+        <p:cNvPr id="105" name="Shape 105"/>
         <p:cNvGrpSpPr/>
         <p:nvPr/>
       </p:nvGrpSpPr>
@@ -1039,7 +1015,7 @@
       </p:grpSpPr>
       <p:sp>
         <p:nvSpPr>
-          <p:cNvPr id="110" name="Shape 110"/>
+          <p:cNvPr id="106" name="Shape 106"/>
           <p:cNvSpPr/>
           <p:nvPr>
             <p:ph idx="2" type="sldImg"/>
@@ -1047,8 +1023,8 @@
         </p:nvSpPr>
         <p:spPr>
           <a:xfrm>
-            <a:off x="1143210" y="685800"/>
-            <a:ext cx="4572225" cy="3429000"/>
+            <a:off x="1143309" y="685800"/>
+            <a:ext cx="4572000" cy="3429000"/>
           </a:xfrm>
           <a:custGeom>
             <a:pathLst>
@@ -1069,21 +1045,296 @@
               </a:path>
             </a:pathLst>
           </a:custGeom>
-          <a:noFill/>
-          <a:ln cap="flat" cmpd="sng" w="9525">
-            <a:solidFill>
-              <a:srgbClr val="000000"/>
-            </a:solidFill>
-            <a:prstDash val="solid"/>
-            <a:round/>
-            <a:headEnd len="med" w="med" type="none"/>
-            <a:tailEnd len="med" w="med" type="none"/>
-          </a:ln>
-        </p:spPr>
-      </p:sp>
-      <p:sp>
-        <p:nvSpPr>
-          <p:cNvPr id="111" name="Shape 111"/>
+        </p:spPr>
+      </p:sp>
+      <p:sp>
+        <p:nvSpPr>
+          <p:cNvPr id="107" name="Shape 107"/>
+          <p:cNvSpPr txBox="1"/>
+          <p:nvPr>
+            <p:ph idx="1" type="body"/>
+          </p:nvPr>
+        </p:nvSpPr>
+        <p:spPr>
+          <a:xfrm>
+            <a:off x="685800" y="4343400"/>
+            <a:ext cx="5486399" cy="4114800"/>
+          </a:xfrm>
+          <a:prstGeom prst="rect">
+            <a:avLst/>
+          </a:prstGeom>
+        </p:spPr>
+        <p:txBody>
+          <a:bodyPr anchorCtr="0" anchor="t" bIns="91425" lIns="91425" rIns="91425" tIns="91425">
+            <a:noAutofit/>
+          </a:bodyPr>
+          <a:lstStyle/>
+          <a:p>
+            <a:pPr lvl="0" rtl="0">
+              <a:spcBef>
+                <a:spcPts val="0"/>
+              </a:spcBef>
+              <a:buNone/>
+            </a:pPr>
+            <a:r>
+              <a:t/>
+            </a:r>
+            <a:endParaRPr/>
+          </a:p>
+        </p:txBody>
+      </p:sp>
+    </p:spTree>
+  </p:cSld>
+  <p:clrMapOvr>
+    <a:masterClrMapping/>
+  </p:clrMapOvr>
+</p:notes>
+</file>
+
+<file path=ppt/notesSlides/notesSlide7.xml><?xml version="1.0" encoding="utf-8"?>
+<p:notes xmlns:a="http://schemas.openxmlformats.org/drawingml/2006/main" xmlns:r="http://schemas.openxmlformats.org/officeDocument/2006/relationships" xmlns:mc="http://schemas.openxmlformats.org/markup-compatibility/2006" xmlns:mv="urn:schemas-microsoft-com:mac:vml" xmlns:p="http://schemas.openxmlformats.org/presentationml/2006/main" xmlns:c="http://schemas.openxmlformats.org/drawingml/2006/chart" xmlns:dgm="http://schemas.openxmlformats.org/drawingml/2006/diagram" xmlns:o="urn:schemas-microsoft-com:office:office" xmlns:v="urn:schemas-microsoft-com:vml" xmlns:pvml="urn:schemas-microsoft-com:office:powerpoint" xmlns:com="http://schemas.openxmlformats.org/drawingml/2006/compatibility" xmlns:p14="http://schemas.microsoft.com/office/powerpoint/2010/main" showMasterPhAnim="0" showMasterSp="0">
+  <p:cSld>
+    <p:spTree>
+      <p:nvGrpSpPr>
+        <p:cNvPr id="113" name="Shape 113"/>
+        <p:cNvGrpSpPr/>
+        <p:nvPr/>
+      </p:nvGrpSpPr>
+      <p:grpSpPr>
+        <a:xfrm>
+          <a:off x="0" y="0"/>
+          <a:ext cx="0" cy="0"/>
+          <a:chOff x="0" y="0"/>
+          <a:chExt cx="0" cy="0"/>
+        </a:xfrm>
+      </p:grpSpPr>
+      <p:sp>
+        <p:nvSpPr>
+          <p:cNvPr id="114" name="Shape 114"/>
+          <p:cNvSpPr/>
+          <p:nvPr>
+            <p:ph idx="2" type="sldImg"/>
+          </p:nvPr>
+        </p:nvSpPr>
+        <p:spPr>
+          <a:xfrm>
+            <a:off x="1143309" y="685800"/>
+            <a:ext cx="4572000" cy="3429000"/>
+          </a:xfrm>
+          <a:custGeom>
+            <a:pathLst>
+              <a:path extrusionOk="0" h="120000" w="120000">
+                <a:moveTo>
+                  <a:pt x="0" y="0"/>
+                </a:moveTo>
+                <a:lnTo>
+                  <a:pt x="120000" y="0"/>
+                </a:lnTo>
+                <a:lnTo>
+                  <a:pt x="120000" y="120000"/>
+                </a:lnTo>
+                <a:lnTo>
+                  <a:pt x="0" y="120000"/>
+                </a:lnTo>
+                <a:close/>
+              </a:path>
+            </a:pathLst>
+          </a:custGeom>
+        </p:spPr>
+      </p:sp>
+      <p:sp>
+        <p:nvSpPr>
+          <p:cNvPr id="115" name="Shape 115"/>
+          <p:cNvSpPr txBox="1"/>
+          <p:nvPr>
+            <p:ph idx="1" type="body"/>
+          </p:nvPr>
+        </p:nvSpPr>
+        <p:spPr>
+          <a:xfrm>
+            <a:off x="685800" y="4343400"/>
+            <a:ext cx="5486399" cy="4114800"/>
+          </a:xfrm>
+          <a:prstGeom prst="rect">
+            <a:avLst/>
+          </a:prstGeom>
+        </p:spPr>
+        <p:txBody>
+          <a:bodyPr anchorCtr="0" anchor="t" bIns="91425" lIns="91425" rIns="91425" tIns="91425">
+            <a:noAutofit/>
+          </a:bodyPr>
+          <a:lstStyle/>
+          <a:p>
+            <a:pPr lvl="0" rtl="0">
+              <a:spcBef>
+                <a:spcPts val="0"/>
+              </a:spcBef>
+              <a:buNone/>
+            </a:pPr>
+            <a:r>
+              <a:t/>
+            </a:r>
+            <a:endParaRPr/>
+          </a:p>
+        </p:txBody>
+      </p:sp>
+    </p:spTree>
+  </p:cSld>
+  <p:clrMapOvr>
+    <a:masterClrMapping/>
+  </p:clrMapOvr>
+</p:notes>
+</file>
+
+<file path=ppt/notesSlides/notesSlide8.xml><?xml version="1.0" encoding="utf-8"?>
+<p:notes xmlns:a="http://schemas.openxmlformats.org/drawingml/2006/main" xmlns:r="http://schemas.openxmlformats.org/officeDocument/2006/relationships" xmlns:mc="http://schemas.openxmlformats.org/markup-compatibility/2006" xmlns:mv="urn:schemas-microsoft-com:mac:vml" xmlns:p="http://schemas.openxmlformats.org/presentationml/2006/main" xmlns:c="http://schemas.openxmlformats.org/drawingml/2006/chart" xmlns:dgm="http://schemas.openxmlformats.org/drawingml/2006/diagram" xmlns:o="urn:schemas-microsoft-com:office:office" xmlns:v="urn:schemas-microsoft-com:vml" xmlns:pvml="urn:schemas-microsoft-com:office:powerpoint" xmlns:com="http://schemas.openxmlformats.org/drawingml/2006/compatibility" xmlns:p14="http://schemas.microsoft.com/office/powerpoint/2010/main" showMasterPhAnim="0" showMasterSp="0">
+  <p:cSld>
+    <p:spTree>
+      <p:nvGrpSpPr>
+        <p:cNvPr id="126" name="Shape 126"/>
+        <p:cNvGrpSpPr/>
+        <p:nvPr/>
+      </p:nvGrpSpPr>
+      <p:grpSpPr>
+        <a:xfrm>
+          <a:off x="0" y="0"/>
+          <a:ext cx="0" cy="0"/>
+          <a:chOff x="0" y="0"/>
+          <a:chExt cx="0" cy="0"/>
+        </a:xfrm>
+      </p:grpSpPr>
+      <p:sp>
+        <p:nvSpPr>
+          <p:cNvPr id="127" name="Shape 127"/>
+          <p:cNvSpPr/>
+          <p:nvPr>
+            <p:ph idx="2" type="sldImg"/>
+          </p:nvPr>
+        </p:nvSpPr>
+        <p:spPr>
+          <a:xfrm>
+            <a:off x="1143309" y="685800"/>
+            <a:ext cx="4572000" cy="3429000"/>
+          </a:xfrm>
+          <a:custGeom>
+            <a:pathLst>
+              <a:path extrusionOk="0" h="120000" w="120000">
+                <a:moveTo>
+                  <a:pt x="0" y="0"/>
+                </a:moveTo>
+                <a:lnTo>
+                  <a:pt x="120000" y="0"/>
+                </a:lnTo>
+                <a:lnTo>
+                  <a:pt x="120000" y="120000"/>
+                </a:lnTo>
+                <a:lnTo>
+                  <a:pt x="0" y="120000"/>
+                </a:lnTo>
+                <a:close/>
+              </a:path>
+            </a:pathLst>
+          </a:custGeom>
+        </p:spPr>
+      </p:sp>
+      <p:sp>
+        <p:nvSpPr>
+          <p:cNvPr id="128" name="Shape 128"/>
+          <p:cNvSpPr txBox="1"/>
+          <p:nvPr>
+            <p:ph idx="1" type="body"/>
+          </p:nvPr>
+        </p:nvSpPr>
+        <p:spPr>
+          <a:xfrm>
+            <a:off x="685800" y="4343400"/>
+            <a:ext cx="5486399" cy="4114800"/>
+          </a:xfrm>
+          <a:prstGeom prst="rect">
+            <a:avLst/>
+          </a:prstGeom>
+        </p:spPr>
+        <p:txBody>
+          <a:bodyPr anchorCtr="0" anchor="t" bIns="91425" lIns="91425" rIns="91425" tIns="91425">
+            <a:noAutofit/>
+          </a:bodyPr>
+          <a:lstStyle/>
+          <a:p>
+            <a:pPr lvl="0">
+              <a:spcBef>
+                <a:spcPts val="0"/>
+              </a:spcBef>
+              <a:buNone/>
+            </a:pPr>
+            <a:r>
+              <a:t/>
+            </a:r>
+            <a:endParaRPr/>
+          </a:p>
+        </p:txBody>
+      </p:sp>
+    </p:spTree>
+  </p:cSld>
+  <p:clrMapOvr>
+    <a:masterClrMapping/>
+  </p:clrMapOvr>
+</p:notes>
+</file>
+
+<file path=ppt/notesSlides/notesSlide9.xml><?xml version="1.0" encoding="utf-8"?>
+<p:notes xmlns:a="http://schemas.openxmlformats.org/drawingml/2006/main" xmlns:r="http://schemas.openxmlformats.org/officeDocument/2006/relationships" xmlns:mc="http://schemas.openxmlformats.org/markup-compatibility/2006" xmlns:mv="urn:schemas-microsoft-com:mac:vml" xmlns:p="http://schemas.openxmlformats.org/presentationml/2006/main" xmlns:c="http://schemas.openxmlformats.org/drawingml/2006/chart" xmlns:dgm="http://schemas.openxmlformats.org/drawingml/2006/diagram" xmlns:o="urn:schemas-microsoft-com:office:office" xmlns:v="urn:schemas-microsoft-com:vml" xmlns:pvml="urn:schemas-microsoft-com:office:powerpoint" xmlns:com="http://schemas.openxmlformats.org/drawingml/2006/compatibility" xmlns:p14="http://schemas.microsoft.com/office/powerpoint/2010/main" showMasterPhAnim="0" showMasterSp="0">
+  <p:cSld>
+    <p:spTree>
+      <p:nvGrpSpPr>
+        <p:cNvPr id="134" name="Shape 134"/>
+        <p:cNvGrpSpPr/>
+        <p:nvPr/>
+      </p:nvGrpSpPr>
+      <p:grpSpPr>
+        <a:xfrm>
+          <a:off x="0" y="0"/>
+          <a:ext cx="0" cy="0"/>
+          <a:chOff x="0" y="0"/>
+          <a:chExt cx="0" cy="0"/>
+        </a:xfrm>
+      </p:grpSpPr>
+      <p:sp>
+        <p:nvSpPr>
+          <p:cNvPr id="135" name="Shape 135"/>
+          <p:cNvSpPr/>
+          <p:nvPr>
+            <p:ph idx="2" type="sldImg"/>
+          </p:nvPr>
+        </p:nvSpPr>
+        <p:spPr>
+          <a:xfrm>
+            <a:off x="1143210" y="685800"/>
+            <a:ext cx="4572225" cy="3429000"/>
+          </a:xfrm>
+          <a:custGeom>
+            <a:pathLst>
+              <a:path extrusionOk="0" h="120000" w="120000">
+                <a:moveTo>
+                  <a:pt x="0" y="0"/>
+                </a:moveTo>
+                <a:lnTo>
+                  <a:pt x="120000" y="0"/>
+                </a:lnTo>
+                <a:lnTo>
+                  <a:pt x="120000" y="120000"/>
+                </a:lnTo>
+                <a:lnTo>
+                  <a:pt x="0" y="120000"/>
+                </a:lnTo>
+                <a:close/>
+              </a:path>
+            </a:pathLst>
+          </a:custGeom>
+        </p:spPr>
+      </p:sp>
+      <p:sp>
+        <p:nvSpPr>
+          <p:cNvPr id="136" name="Shape 136"/>
           <p:cNvSpPr txBox="1"/>
           <p:nvPr>
             <p:ph idx="1" type="body"/>
@@ -1425,7 +1676,7 @@
 
 <file path=ppt/slideLayouts/slideLayout1.xml><?xml version="1.0" encoding="utf-8"?>
 <p:sldLayout xmlns:a="http://schemas.openxmlformats.org/drawingml/2006/main" xmlns:r="http://schemas.openxmlformats.org/officeDocument/2006/relationships" xmlns:mc="http://schemas.openxmlformats.org/markup-compatibility/2006" xmlns:mv="urn:schemas-microsoft-com:mac:vml" xmlns:p="http://schemas.openxmlformats.org/presentationml/2006/main" xmlns:c="http://schemas.openxmlformats.org/drawingml/2006/chart" xmlns:dgm="http://schemas.openxmlformats.org/drawingml/2006/diagram" xmlns:o="urn:schemas-microsoft-com:office:office" xmlns:v="urn:schemas-microsoft-com:vml" xmlns:pvml="urn:schemas-microsoft-com:office:powerpoint" xmlns:com="http://schemas.openxmlformats.org/drawingml/2006/compatibility" xmlns:p14="http://schemas.microsoft.com/office/powerpoint/2010/main" type="secHead">
-  <p:cSld name="Section title">
+  <p:cSld name="Section header">
     <p:spTree>
       <p:nvGrpSpPr>
         <p:cNvPr id="13" name="Shape 13"/>
@@ -5378,151 +5629,33 @@
           </a:p>
         </p:txBody>
       </p:sp>
-      <p:sp>
-        <p:nvSpPr>
+      <p:pic>
+        <p:nvPicPr>
           <p:cNvPr id="79" name="Shape 79"/>
-          <p:cNvSpPr txBox="1"/>
-          <p:nvPr>
-            <p:ph idx="1" type="body"/>
-          </p:nvPr>
-        </p:nvSpPr>
-        <p:spPr>
-          <a:xfrm>
-            <a:off x="311700" y="1536626"/>
-            <a:ext cx="8520599" cy="4680899"/>
-          </a:xfrm>
-          <a:prstGeom prst="rect">
-            <a:avLst/>
-          </a:prstGeom>
-        </p:spPr>
-        <p:txBody>
-          <a:bodyPr anchorCtr="0" anchor="ctr" bIns="91425" lIns="91425" rIns="91425" tIns="91425">
-            <a:noAutofit/>
-          </a:bodyPr>
-          <a:lstStyle/>
-          <a:p>
-            <a:pPr indent="-419100" lvl="0" marL="457200" rtl="0">
-              <a:lnSpc>
-                <a:spcPct val="150000"/>
-              </a:lnSpc>
-              <a:spcBef>
-                <a:spcPts val="0"/>
-              </a:spcBef>
-              <a:spcAft>
-                <a:spcPts val="0"/>
-              </a:spcAft>
-              <a:buSzPct val="100000"/>
-            </a:pPr>
-            <a:r>
-              <a:rPr lang="en" sz="3000"/>
-              <a:t>Documentació: </a:t>
-            </a:r>
-            <a:r>
-              <a:rPr lang="en" u="sng">
-                <a:solidFill>
-                  <a:schemeClr val="hlink"/>
-                </a:solidFill>
-                <a:hlinkClick r:id="rId3"/>
-              </a:rPr>
-              <a:t>http://openweathermap.org/current</a:t>
-            </a:r>
-          </a:p>
-          <a:p>
-            <a:pPr indent="-419100" lvl="0" marL="457200" rtl="0">
-              <a:lnSpc>
-                <a:spcPct val="150000"/>
-              </a:lnSpc>
-              <a:spcBef>
-                <a:spcPts val="0"/>
-              </a:spcBef>
-              <a:spcAft>
-                <a:spcPts val="0"/>
-              </a:spcAft>
-              <a:buSzPct val="100000"/>
-            </a:pPr>
-            <a:r>
-              <a:rPr lang="en" sz="3000"/>
-              <a:t>API key: </a:t>
-            </a:r>
-            <a:r>
-              <a:rPr b="1" lang="en">
-                <a:solidFill>
-                  <a:schemeClr val="dk1"/>
-                </a:solidFill>
-                <a:latin typeface="Courier New"/>
-                <a:ea typeface="Courier New"/>
-                <a:cs typeface="Courier New"/>
-                <a:sym typeface="Courier New"/>
-              </a:rPr>
-              <a:t>?APPID=155de3b370efd8e0f45c05494dfb08e9</a:t>
-            </a:r>
-          </a:p>
-          <a:p>
-            <a:pPr indent="-419100" lvl="0" marL="457200" rtl="0">
-              <a:lnSpc>
-                <a:spcPct val="150000"/>
-              </a:lnSpc>
-              <a:spcBef>
-                <a:spcPts val="0"/>
-              </a:spcBef>
-              <a:spcAft>
-                <a:spcPts val="0"/>
-              </a:spcAft>
-              <a:buSzPct val="100000"/>
-            </a:pPr>
-            <a:r>
-              <a:rPr lang="en" sz="3000"/>
-              <a:t>Exemples:</a:t>
-            </a:r>
-          </a:p>
-          <a:p>
-            <a:pPr indent="-419100" lvl="1" marL="914400" rtl="0">
-              <a:lnSpc>
-                <a:spcPct val="150000"/>
-              </a:lnSpc>
-              <a:spcBef>
-                <a:spcPts val="0"/>
-              </a:spcBef>
-              <a:spcAft>
-                <a:spcPts val="0"/>
-              </a:spcAft>
-              <a:buSzPct val="100000"/>
-            </a:pPr>
-            <a:r>
-              <a:rPr lang="en" sz="3000" u="sng">
-                <a:solidFill>
-                  <a:schemeClr val="hlink"/>
-                </a:solidFill>
-                <a:hlinkClick r:id="rId4"/>
-              </a:rPr>
-              <a:t>Temps Barcelona</a:t>
-            </a:r>
-          </a:p>
-          <a:p>
-            <a:pPr indent="-419100" lvl="1" marL="914400" rtl="0">
-              <a:lnSpc>
-                <a:spcPct val="150000"/>
-              </a:lnSpc>
-              <a:spcBef>
-                <a:spcPts val="0"/>
-              </a:spcBef>
-              <a:spcAft>
-                <a:spcPts val="0"/>
-              </a:spcAft>
-              <a:buSzPct val="100000"/>
-            </a:pPr>
-            <a:r>
-              <a:rPr lang="en" sz="3000" u="sng">
-                <a:solidFill>
-                  <a:schemeClr val="hlink"/>
-                </a:solidFill>
-                <a:hlinkClick r:id="rId5"/>
-              </a:rPr>
-              <a:t>Temps Girona</a:t>
-            </a:r>
-          </a:p>
-        </p:txBody>
-      </p:sp>
+          <p:cNvPicPr preferRelativeResize="0"/>
+          <p:nvPr/>
+        </p:nvPicPr>
+        <p:blipFill rotWithShape="1">
+          <a:blip r:embed="rId3">
+            <a:alphaModFix/>
+          </a:blip>
+          <a:srcRect b="51489" l="0" r="26567" t="0"/>
+          <a:stretch/>
+        </p:blipFill>
+        <p:spPr>
+          <a:xfrm>
+            <a:off x="1788262" y="1712075"/>
+            <a:ext cx="5567475" cy="4624698"/>
+          </a:xfrm>
+          <a:prstGeom prst="rect">
+            <a:avLst/>
+          </a:prstGeom>
+          <a:noFill/>
+          <a:ln>
+            <a:noFill/>
+          </a:ln>
+        </p:spPr>
+      </p:pic>
     </p:spTree>
   </p:cSld>
   <p:clrMapOvr>
@@ -5556,13 +5689,13 @@
           <p:cNvPr id="84" name="Shape 84"/>
           <p:cNvSpPr txBox="1"/>
           <p:nvPr>
-            <p:ph idx="1" type="body"/>
-          </p:nvPr>
-        </p:nvSpPr>
-        <p:spPr>
-          <a:xfrm>
-            <a:off x="311700" y="1536633"/>
-            <a:ext cx="8520599" cy="4555199"/>
+            <p:ph idx="12" type="sldNum"/>
+          </p:nvPr>
+        </p:nvSpPr>
+        <p:spPr>
+          <a:xfrm>
+            <a:off x="8472457" y="8290163"/>
+            <a:ext cx="548699" cy="699599"/>
           </a:xfrm>
           <a:prstGeom prst="rect">
             <a:avLst/>
@@ -5574,76 +5707,16 @@
           </a:bodyPr>
           <a:lstStyle/>
           <a:p>
-            <a:pPr indent="-457200" lvl="0" marL="457200" rtl="0">
-              <a:lnSpc>
-                <a:spcPct val="150000"/>
-              </a:lnSpc>
-              <a:spcBef>
-                <a:spcPts val="0"/>
-              </a:spcBef>
-              <a:spcAft>
-                <a:spcPts val="1000"/>
-              </a:spcAft>
-              <a:buSzPct val="100000"/>
-            </a:pPr>
-            <a:r>
-              <a:rPr lang="en" sz="3600"/>
-              <a:t>API de </a:t>
-            </a:r>
-          </a:p>
-          <a:p>
-            <a:pPr indent="-457200" lvl="0" marL="457200" rtl="0">
-              <a:lnSpc>
-                <a:spcPct val="150000"/>
-              </a:lnSpc>
-              <a:spcBef>
-                <a:spcPts val="0"/>
-              </a:spcBef>
-              <a:spcAft>
-                <a:spcPts val="0"/>
-              </a:spcAft>
-              <a:buSzPct val="100000"/>
-            </a:pPr>
-            <a:r>
-              <a:rPr lang="en" sz="3600"/>
-              <a:t>Funcionalitats:</a:t>
-            </a:r>
-          </a:p>
-          <a:p>
-            <a:pPr indent="-381000" lvl="1" marL="914400" rtl="0">
-              <a:lnSpc>
-                <a:spcPct val="150000"/>
-              </a:lnSpc>
-              <a:spcBef>
-                <a:spcPts val="0"/>
-              </a:spcBef>
-              <a:spcAft>
-                <a:spcPts val="0"/>
-              </a:spcAft>
-              <a:buSzPct val="100000"/>
-            </a:pPr>
-            <a:r>
-              <a:rPr lang="en" sz="2400"/>
-              <a:t>Obtenir anuncis + llistar-los</a:t>
-            </a:r>
-          </a:p>
-          <a:p>
-            <a:pPr indent="-381000" lvl="1" marL="914400" rtl="0">
-              <a:lnSpc>
-                <a:spcPct val="150000"/>
-              </a:lnSpc>
-              <a:spcBef>
-                <a:spcPts val="0"/>
-              </a:spcBef>
-              <a:spcAft>
-                <a:spcPts val="0"/>
-              </a:spcAft>
-              <a:buSzPct val="100000"/>
-            </a:pPr>
-            <a:r>
-              <a:rPr lang="en" sz="2400"/>
-              <a:t>Veure pàgina del anunci</a:t>
-            </a:r>
+            <a:pPr lvl="0">
+              <a:spcBef>
+                <a:spcPts val="0"/>
+              </a:spcBef>
+              <a:buNone/>
+            </a:pPr>
+            <a:fld id="{00000000-1234-1234-1234-123412341234}" type="slidenum">
+              <a:rPr lang="en"/>
+              <a:t>‹#›</a:t>
+            </a:fld>
           </a:p>
         </p:txBody>
       </p:sp>
@@ -5652,13 +5725,49 @@
           <p:cNvPr id="85" name="Shape 85"/>
           <p:cNvSpPr txBox="1"/>
           <p:nvPr>
-            <p:ph idx="12" type="sldNum"/>
-          </p:nvPr>
-        </p:nvSpPr>
-        <p:spPr>
-          <a:xfrm>
-            <a:off x="8472457" y="8290163"/>
-            <a:ext cx="548699" cy="699599"/>
+            <p:ph type="title"/>
+          </p:nvPr>
+        </p:nvSpPr>
+        <p:spPr>
+          <a:xfrm>
+            <a:off x="311650" y="123291"/>
+            <a:ext cx="8520599" cy="763500"/>
+          </a:xfrm>
+          <a:prstGeom prst="rect">
+            <a:avLst/>
+          </a:prstGeom>
+        </p:spPr>
+        <p:txBody>
+          <a:bodyPr anchorCtr="0" anchor="t" bIns="91425" lIns="91425" rIns="91425" tIns="91425">
+            <a:noAutofit/>
+          </a:bodyPr>
+          <a:lstStyle/>
+          <a:p>
+            <a:pPr lvl="0">
+              <a:spcBef>
+                <a:spcPts val="0"/>
+              </a:spcBef>
+              <a:buNone/>
+            </a:pPr>
+            <a:r>
+              <a:rPr lang="en"/>
+              <a:t>Opció A</a:t>
+            </a:r>
+          </a:p>
+        </p:txBody>
+      </p:sp>
+      <p:sp>
+        <p:nvSpPr>
+          <p:cNvPr id="86" name="Shape 86"/>
+          <p:cNvSpPr txBox="1"/>
+          <p:nvPr>
+            <p:ph idx="2" type="sldNum"/>
+          </p:nvPr>
+        </p:nvSpPr>
+        <p:spPr>
+          <a:xfrm>
+            <a:off x="8472457" y="6217622"/>
+            <a:ext cx="548699" cy="524699"/>
           </a:xfrm>
           <a:prstGeom prst="rect">
             <a:avLst/>
@@ -5670,7 +5779,7 @@
           </a:bodyPr>
           <a:lstStyle/>
           <a:p>
-            <a:pPr lvl="0" rtl="0">
+            <a:pPr lvl="0">
               <a:spcBef>
                 <a:spcPts val="0"/>
               </a:spcBef>
@@ -5685,52 +5794,16 @@
       </p:sp>
       <p:sp>
         <p:nvSpPr>
-          <p:cNvPr id="86" name="Shape 86"/>
-          <p:cNvSpPr txBox="1"/>
-          <p:nvPr>
-            <p:ph type="title"/>
-          </p:nvPr>
-        </p:nvSpPr>
-        <p:spPr>
-          <a:xfrm>
-            <a:off x="311650" y="123291"/>
-            <a:ext cx="8520599" cy="763500"/>
-          </a:xfrm>
-          <a:prstGeom prst="rect">
-            <a:avLst/>
-          </a:prstGeom>
-        </p:spPr>
-        <p:txBody>
-          <a:bodyPr anchorCtr="0" anchor="t" bIns="91425" lIns="91425" rIns="91425" tIns="91425">
-            <a:noAutofit/>
-          </a:bodyPr>
-          <a:lstStyle/>
-          <a:p>
-            <a:pPr lvl="0" rtl="0">
-              <a:spcBef>
-                <a:spcPts val="0"/>
-              </a:spcBef>
-              <a:buNone/>
-            </a:pPr>
-            <a:r>
-              <a:rPr lang="en"/>
-              <a:t>Opció A</a:t>
-            </a:r>
-          </a:p>
-        </p:txBody>
-      </p:sp>
-      <p:sp>
-        <p:nvSpPr>
           <p:cNvPr id="87" name="Shape 87"/>
           <p:cNvSpPr txBox="1"/>
           <p:nvPr>
-            <p:ph idx="2" type="sldNum"/>
-          </p:nvPr>
-        </p:nvSpPr>
-        <p:spPr>
-          <a:xfrm>
-            <a:off x="8472457" y="6217622"/>
-            <a:ext cx="548699" cy="524699"/>
+            <p:ph idx="1" type="body"/>
+          </p:nvPr>
+        </p:nvSpPr>
+        <p:spPr>
+          <a:xfrm>
+            <a:off x="311700" y="1536626"/>
+            <a:ext cx="8520599" cy="4680899"/>
           </a:xfrm>
           <a:prstGeom prst="rect">
             <a:avLst/>
@@ -5742,47 +5815,128 @@
           </a:bodyPr>
           <a:lstStyle/>
           <a:p>
-            <a:pPr lvl="0" rtl="0">
-              <a:spcBef>
-                <a:spcPts val="0"/>
-              </a:spcBef>
-              <a:buNone/>
-            </a:pPr>
-            <a:fld id="{00000000-1234-1234-1234-123412341234}" type="slidenum">
-              <a:rPr lang="en"/>
-              <a:t>‹#›</a:t>
-            </a:fld>
-          </a:p>
-        </p:txBody>
-      </p:sp>
-      <p:pic>
-        <p:nvPicPr>
-          <p:cNvPr id="88" name="Shape 88"/>
-          <p:cNvPicPr preferRelativeResize="0"/>
-          <p:nvPr/>
-        </p:nvPicPr>
-        <p:blipFill>
-          <a:blip r:embed="rId3">
-            <a:alphaModFix/>
-          </a:blip>
-          <a:stretch>
-            <a:fillRect/>
-          </a:stretch>
-        </p:blipFill>
-        <p:spPr>
-          <a:xfrm>
-            <a:off x="2221150" y="2267525"/>
-            <a:ext cx="1494000" cy="648350"/>
-          </a:xfrm>
-          <a:prstGeom prst="rect">
-            <a:avLst/>
-          </a:prstGeom>
-          <a:noFill/>
-          <a:ln>
-            <a:noFill/>
-          </a:ln>
-        </p:spPr>
-      </p:pic>
+            <a:pPr indent="-419100" lvl="0" marL="457200" rtl="0">
+              <a:lnSpc>
+                <a:spcPct val="150000"/>
+              </a:lnSpc>
+              <a:spcBef>
+                <a:spcPts val="0"/>
+              </a:spcBef>
+              <a:spcAft>
+                <a:spcPts val="0"/>
+              </a:spcAft>
+              <a:buSzPct val="100000"/>
+            </a:pPr>
+            <a:r>
+              <a:rPr lang="en" sz="3000"/>
+              <a:t>Documentació: </a:t>
+            </a:r>
+            <a:r>
+              <a:rPr lang="en" u="sng">
+                <a:solidFill>
+                  <a:schemeClr val="hlink"/>
+                </a:solidFill>
+                <a:hlinkClick r:id="rId3"/>
+              </a:rPr>
+              <a:t>http://openweathermap.org/current</a:t>
+            </a:r>
+          </a:p>
+          <a:p>
+            <a:pPr indent="-419100" lvl="0" marL="457200" rtl="0">
+              <a:lnSpc>
+                <a:spcPct val="150000"/>
+              </a:lnSpc>
+              <a:spcBef>
+                <a:spcPts val="0"/>
+              </a:spcBef>
+              <a:spcAft>
+                <a:spcPts val="0"/>
+              </a:spcAft>
+              <a:buSzPct val="100000"/>
+            </a:pPr>
+            <a:r>
+              <a:rPr lang="en" sz="3000"/>
+              <a:t>API key: </a:t>
+            </a:r>
+            <a:r>
+              <a:rPr b="1" lang="en">
+                <a:solidFill>
+                  <a:schemeClr val="dk1"/>
+                </a:solidFill>
+                <a:latin typeface="Courier New"/>
+                <a:ea typeface="Courier New"/>
+                <a:cs typeface="Courier New"/>
+                <a:sym typeface="Courier New"/>
+              </a:rPr>
+              <a:t>?APPID=155de3b370efd8e0f45c05494dfb08e9</a:t>
+            </a:r>
+          </a:p>
+          <a:p>
+            <a:pPr indent="-419100" lvl="0" marL="457200" rtl="0">
+              <a:lnSpc>
+                <a:spcPct val="150000"/>
+              </a:lnSpc>
+              <a:spcBef>
+                <a:spcPts val="0"/>
+              </a:spcBef>
+              <a:spcAft>
+                <a:spcPts val="0"/>
+              </a:spcAft>
+              <a:buSzPct val="100000"/>
+            </a:pPr>
+            <a:r>
+              <a:rPr lang="en" sz="3000"/>
+              <a:t>Exemples:</a:t>
+            </a:r>
+          </a:p>
+          <a:p>
+            <a:pPr indent="-419100" lvl="1" marL="914400" rtl="0">
+              <a:lnSpc>
+                <a:spcPct val="150000"/>
+              </a:lnSpc>
+              <a:spcBef>
+                <a:spcPts val="0"/>
+              </a:spcBef>
+              <a:spcAft>
+                <a:spcPts val="0"/>
+              </a:spcAft>
+              <a:buSzPct val="100000"/>
+            </a:pPr>
+            <a:r>
+              <a:rPr lang="en" sz="3000" u="sng">
+                <a:solidFill>
+                  <a:schemeClr val="hlink"/>
+                </a:solidFill>
+                <a:hlinkClick r:id="rId4"/>
+              </a:rPr>
+              <a:t>Temps Barcelona</a:t>
+            </a:r>
+          </a:p>
+          <a:p>
+            <a:pPr indent="-419100" lvl="1" marL="914400" rtl="0">
+              <a:lnSpc>
+                <a:spcPct val="150000"/>
+              </a:lnSpc>
+              <a:spcBef>
+                <a:spcPts val="0"/>
+              </a:spcBef>
+              <a:spcAft>
+                <a:spcPts val="0"/>
+              </a:spcAft>
+              <a:buSzPct val="100000"/>
+            </a:pPr>
+            <a:r>
+              <a:rPr lang="en" sz="3000" u="sng">
+                <a:solidFill>
+                  <a:schemeClr val="hlink"/>
+                </a:solidFill>
+                <a:hlinkClick r:id="rId5"/>
+              </a:rPr>
+              <a:t>Temps Girona</a:t>
+            </a:r>
+          </a:p>
+        </p:txBody>
+      </p:sp>
     </p:spTree>
   </p:cSld>
   <p:clrMapOvr>
@@ -5799,7 +5953,7 @@
   <p:cSld>
     <p:spTree>
       <p:nvGrpSpPr>
-        <p:cNvPr id="92" name="Shape 92"/>
+        <p:cNvPr id="91" name="Shape 91"/>
         <p:cNvGrpSpPr/>
         <p:nvPr/>
       </p:nvGrpSpPr>
@@ -5813,16 +5967,16 @@
       </p:grpSpPr>
       <p:sp>
         <p:nvSpPr>
-          <p:cNvPr id="93" name="Shape 93"/>
+          <p:cNvPr id="92" name="Shape 92"/>
           <p:cNvSpPr txBox="1"/>
           <p:nvPr>
-            <p:ph idx="12" type="sldNum"/>
-          </p:nvPr>
-        </p:nvSpPr>
-        <p:spPr>
-          <a:xfrm>
-            <a:off x="8472457" y="8290163"/>
-            <a:ext cx="548699" cy="699599"/>
+            <p:ph idx="1" type="body"/>
+          </p:nvPr>
+        </p:nvSpPr>
+        <p:spPr>
+          <a:xfrm>
+            <a:off x="311700" y="1536633"/>
+            <a:ext cx="8520599" cy="4555199"/>
           </a:xfrm>
           <a:prstGeom prst="rect">
             <a:avLst/>
@@ -5834,6 +5988,102 @@
           </a:bodyPr>
           <a:lstStyle/>
           <a:p>
+            <a:pPr indent="-457200" lvl="0" marL="457200" rtl="0">
+              <a:lnSpc>
+                <a:spcPct val="150000"/>
+              </a:lnSpc>
+              <a:spcBef>
+                <a:spcPts val="0"/>
+              </a:spcBef>
+              <a:spcAft>
+                <a:spcPts val="1000"/>
+              </a:spcAft>
+              <a:buSzPct val="100000"/>
+            </a:pPr>
+            <a:r>
+              <a:rPr lang="en" sz="3600"/>
+              <a:t>API de </a:t>
+            </a:r>
+          </a:p>
+          <a:p>
+            <a:pPr indent="-457200" lvl="0" marL="457200" rtl="0">
+              <a:lnSpc>
+                <a:spcPct val="150000"/>
+              </a:lnSpc>
+              <a:spcBef>
+                <a:spcPts val="0"/>
+              </a:spcBef>
+              <a:spcAft>
+                <a:spcPts val="0"/>
+              </a:spcAft>
+              <a:buSzPct val="100000"/>
+            </a:pPr>
+            <a:r>
+              <a:rPr lang="en" sz="3600"/>
+              <a:t>Funcionalitats:</a:t>
+            </a:r>
+          </a:p>
+          <a:p>
+            <a:pPr indent="-381000" lvl="1" marL="914400" rtl="0">
+              <a:lnSpc>
+                <a:spcPct val="150000"/>
+              </a:lnSpc>
+              <a:spcBef>
+                <a:spcPts val="0"/>
+              </a:spcBef>
+              <a:spcAft>
+                <a:spcPts val="0"/>
+              </a:spcAft>
+              <a:buSzPct val="100000"/>
+            </a:pPr>
+            <a:r>
+              <a:rPr lang="en" sz="2400"/>
+              <a:t>Obtenir anuncis + llistar-los</a:t>
+            </a:r>
+          </a:p>
+          <a:p>
+            <a:pPr indent="-381000" lvl="1" marL="914400" rtl="0">
+              <a:lnSpc>
+                <a:spcPct val="150000"/>
+              </a:lnSpc>
+              <a:spcBef>
+                <a:spcPts val="0"/>
+              </a:spcBef>
+              <a:spcAft>
+                <a:spcPts val="0"/>
+              </a:spcAft>
+              <a:buSzPct val="100000"/>
+            </a:pPr>
+            <a:r>
+              <a:rPr lang="en" sz="2400"/>
+              <a:t>Veure pàgina del anunci</a:t>
+            </a:r>
+          </a:p>
+        </p:txBody>
+      </p:sp>
+      <p:sp>
+        <p:nvSpPr>
+          <p:cNvPr id="93" name="Shape 93"/>
+          <p:cNvSpPr txBox="1"/>
+          <p:nvPr>
+            <p:ph idx="12" type="sldNum"/>
+          </p:nvPr>
+        </p:nvSpPr>
+        <p:spPr>
+          <a:xfrm>
+            <a:off x="8472457" y="8290163"/>
+            <a:ext cx="548699" cy="699599"/>
+          </a:xfrm>
+          <a:prstGeom prst="rect">
+            <a:avLst/>
+          </a:prstGeom>
+        </p:spPr>
+        <p:txBody>
+          <a:bodyPr anchorCtr="0" anchor="ctr" bIns="91425" lIns="91425" rIns="91425" tIns="91425">
+            <a:noAutofit/>
+          </a:bodyPr>
+          <a:lstStyle/>
+          <a:p>
             <a:pPr lvl="0" rtl="0">
               <a:spcBef>
                 <a:spcPts val="0"/>
@@ -5878,7 +6128,7 @@
             </a:pPr>
             <a:r>
               <a:rPr lang="en"/>
-              <a:t>Opció B</a:t>
+              <a:t>Opció A</a:t>
             </a:r>
           </a:p>
         </p:txBody>
@@ -5919,9 +6169,336 @@
           </a:p>
         </p:txBody>
       </p:sp>
-      <p:sp>
-        <p:nvSpPr>
+      <p:pic>
+        <p:nvPicPr>
           <p:cNvPr id="96" name="Shape 96"/>
+          <p:cNvPicPr preferRelativeResize="0"/>
+          <p:nvPr/>
+        </p:nvPicPr>
+        <p:blipFill>
+          <a:blip r:embed="rId3">
+            <a:alphaModFix/>
+          </a:blip>
+          <a:stretch>
+            <a:fillRect/>
+          </a:stretch>
+        </p:blipFill>
+        <p:spPr>
+          <a:xfrm>
+            <a:off x="2221150" y="2267525"/>
+            <a:ext cx="1494000" cy="648350"/>
+          </a:xfrm>
+          <a:prstGeom prst="rect">
+            <a:avLst/>
+          </a:prstGeom>
+          <a:noFill/>
+          <a:ln>
+            <a:noFill/>
+          </a:ln>
+        </p:spPr>
+      </p:pic>
+    </p:spTree>
+  </p:cSld>
+  <p:clrMapOvr>
+    <a:masterClrMapping/>
+  </p:clrMapOvr>
+  <p:transition spd="slow">
+    <p:cut/>
+  </p:transition>
+</p:sld>
+</file>
+
+<file path=ppt/slides/slide5.xml><?xml version="1.0" encoding="utf-8"?>
+<p:sld xmlns:a="http://schemas.openxmlformats.org/drawingml/2006/main" xmlns:r="http://schemas.openxmlformats.org/officeDocument/2006/relationships" xmlns:mc="http://schemas.openxmlformats.org/markup-compatibility/2006" xmlns:mv="urn:schemas-microsoft-com:mac:vml" xmlns:p="http://schemas.openxmlformats.org/presentationml/2006/main" xmlns:c="http://schemas.openxmlformats.org/drawingml/2006/chart" xmlns:dgm="http://schemas.openxmlformats.org/drawingml/2006/diagram" xmlns:o="urn:schemas-microsoft-com:office:office" xmlns:v="urn:schemas-microsoft-com:vml" xmlns:pvml="urn:schemas-microsoft-com:office:powerpoint" xmlns:com="http://schemas.openxmlformats.org/drawingml/2006/compatibility" xmlns:p14="http://schemas.microsoft.com/office/powerpoint/2010/main">
+  <p:cSld>
+    <p:spTree>
+      <p:nvGrpSpPr>
+        <p:cNvPr id="100" name="Shape 100"/>
+        <p:cNvGrpSpPr/>
+        <p:nvPr/>
+      </p:nvGrpSpPr>
+      <p:grpSpPr>
+        <a:xfrm>
+          <a:off x="0" y="0"/>
+          <a:ext cx="0" cy="0"/>
+          <a:chOff x="0" y="0"/>
+          <a:chExt cx="0" cy="0"/>
+        </a:xfrm>
+      </p:grpSpPr>
+      <p:sp>
+        <p:nvSpPr>
+          <p:cNvPr id="101" name="Shape 101"/>
+          <p:cNvSpPr txBox="1"/>
+          <p:nvPr>
+            <p:ph idx="12" type="sldNum"/>
+          </p:nvPr>
+        </p:nvSpPr>
+        <p:spPr>
+          <a:xfrm>
+            <a:off x="8472457" y="8290163"/>
+            <a:ext cx="548699" cy="699599"/>
+          </a:xfrm>
+          <a:prstGeom prst="rect">
+            <a:avLst/>
+          </a:prstGeom>
+        </p:spPr>
+        <p:txBody>
+          <a:bodyPr anchorCtr="0" anchor="ctr" bIns="91425" lIns="91425" rIns="91425" tIns="91425">
+            <a:noAutofit/>
+          </a:bodyPr>
+          <a:lstStyle/>
+          <a:p>
+            <a:pPr lvl="0" rtl="0">
+              <a:spcBef>
+                <a:spcPts val="0"/>
+              </a:spcBef>
+              <a:buNone/>
+            </a:pPr>
+            <a:fld id="{00000000-1234-1234-1234-123412341234}" type="slidenum">
+              <a:rPr lang="en"/>
+              <a:t>‹#›</a:t>
+            </a:fld>
+          </a:p>
+        </p:txBody>
+      </p:sp>
+      <p:sp>
+        <p:nvSpPr>
+          <p:cNvPr id="102" name="Shape 102"/>
+          <p:cNvSpPr txBox="1"/>
+          <p:nvPr>
+            <p:ph type="title"/>
+          </p:nvPr>
+        </p:nvSpPr>
+        <p:spPr>
+          <a:xfrm>
+            <a:off x="311650" y="123291"/>
+            <a:ext cx="8520599" cy="763500"/>
+          </a:xfrm>
+          <a:prstGeom prst="rect">
+            <a:avLst/>
+          </a:prstGeom>
+        </p:spPr>
+        <p:txBody>
+          <a:bodyPr anchorCtr="0" anchor="t" bIns="91425" lIns="91425" rIns="91425" tIns="91425">
+            <a:noAutofit/>
+          </a:bodyPr>
+          <a:lstStyle/>
+          <a:p>
+            <a:pPr lvl="0" rtl="0">
+              <a:spcBef>
+                <a:spcPts val="0"/>
+              </a:spcBef>
+              <a:buNone/>
+            </a:pPr>
+            <a:r>
+              <a:rPr lang="en"/>
+              <a:t>Opció B</a:t>
+            </a:r>
+          </a:p>
+        </p:txBody>
+      </p:sp>
+      <p:sp>
+        <p:nvSpPr>
+          <p:cNvPr id="103" name="Shape 103"/>
+          <p:cNvSpPr txBox="1"/>
+          <p:nvPr>
+            <p:ph idx="2" type="sldNum"/>
+          </p:nvPr>
+        </p:nvSpPr>
+        <p:spPr>
+          <a:xfrm>
+            <a:off x="8472457" y="6217622"/>
+            <a:ext cx="548699" cy="524699"/>
+          </a:xfrm>
+          <a:prstGeom prst="rect">
+            <a:avLst/>
+          </a:prstGeom>
+        </p:spPr>
+        <p:txBody>
+          <a:bodyPr anchorCtr="0" anchor="ctr" bIns="91425" lIns="91425" rIns="91425" tIns="91425">
+            <a:noAutofit/>
+          </a:bodyPr>
+          <a:lstStyle/>
+          <a:p>
+            <a:pPr lvl="0" rtl="0">
+              <a:spcBef>
+                <a:spcPts val="0"/>
+              </a:spcBef>
+              <a:buNone/>
+            </a:pPr>
+            <a:fld id="{00000000-1234-1234-1234-123412341234}" type="slidenum">
+              <a:rPr lang="en"/>
+              <a:t>‹#›</a:t>
+            </a:fld>
+          </a:p>
+        </p:txBody>
+      </p:sp>
+      <p:pic>
+        <p:nvPicPr>
+          <p:cNvPr id="104" name="Shape 104"/>
+          <p:cNvPicPr preferRelativeResize="0"/>
+          <p:nvPr/>
+        </p:nvPicPr>
+        <p:blipFill rotWithShape="1">
+          <a:blip r:embed="rId3">
+            <a:alphaModFix/>
+          </a:blip>
+          <a:srcRect b="11254" l="-1439" r="1440" t="43234"/>
+          <a:stretch/>
+        </p:blipFill>
+        <p:spPr>
+          <a:xfrm>
+            <a:off x="625762" y="1634275"/>
+            <a:ext cx="7892374" cy="4902724"/>
+          </a:xfrm>
+          <a:prstGeom prst="rect">
+            <a:avLst/>
+          </a:prstGeom>
+          <a:noFill/>
+          <a:ln>
+            <a:noFill/>
+          </a:ln>
+        </p:spPr>
+      </p:pic>
+    </p:spTree>
+  </p:cSld>
+  <p:clrMapOvr>
+    <a:masterClrMapping/>
+  </p:clrMapOvr>
+  <p:transition spd="slow">
+    <p:cut/>
+  </p:transition>
+</p:sld>
+</file>
+
+<file path=ppt/slides/slide6.xml><?xml version="1.0" encoding="utf-8"?>
+<p:sld xmlns:a="http://schemas.openxmlformats.org/drawingml/2006/main" xmlns:r="http://schemas.openxmlformats.org/officeDocument/2006/relationships" xmlns:mc="http://schemas.openxmlformats.org/markup-compatibility/2006" xmlns:mv="urn:schemas-microsoft-com:mac:vml" xmlns:p="http://schemas.openxmlformats.org/presentationml/2006/main" xmlns:c="http://schemas.openxmlformats.org/drawingml/2006/chart" xmlns:dgm="http://schemas.openxmlformats.org/drawingml/2006/diagram" xmlns:o="urn:schemas-microsoft-com:office:office" xmlns:v="urn:schemas-microsoft-com:vml" xmlns:pvml="urn:schemas-microsoft-com:office:powerpoint" xmlns:com="http://schemas.openxmlformats.org/drawingml/2006/compatibility" xmlns:p14="http://schemas.microsoft.com/office/powerpoint/2010/main">
+  <p:cSld>
+    <p:spTree>
+      <p:nvGrpSpPr>
+        <p:cNvPr id="108" name="Shape 108"/>
+        <p:cNvGrpSpPr/>
+        <p:nvPr/>
+      </p:nvGrpSpPr>
+      <p:grpSpPr>
+        <a:xfrm>
+          <a:off x="0" y="0"/>
+          <a:ext cx="0" cy="0"/>
+          <a:chOff x="0" y="0"/>
+          <a:chExt cx="0" cy="0"/>
+        </a:xfrm>
+      </p:grpSpPr>
+      <p:sp>
+        <p:nvSpPr>
+          <p:cNvPr id="109" name="Shape 109"/>
+          <p:cNvSpPr txBox="1"/>
+          <p:nvPr>
+            <p:ph idx="12" type="sldNum"/>
+          </p:nvPr>
+        </p:nvSpPr>
+        <p:spPr>
+          <a:xfrm>
+            <a:off x="8472457" y="8290163"/>
+            <a:ext cx="548699" cy="699599"/>
+          </a:xfrm>
+          <a:prstGeom prst="rect">
+            <a:avLst/>
+          </a:prstGeom>
+        </p:spPr>
+        <p:txBody>
+          <a:bodyPr anchorCtr="0" anchor="ctr" bIns="91425" lIns="91425" rIns="91425" tIns="91425">
+            <a:noAutofit/>
+          </a:bodyPr>
+          <a:lstStyle/>
+          <a:p>
+            <a:pPr lvl="0" rtl="0">
+              <a:spcBef>
+                <a:spcPts val="0"/>
+              </a:spcBef>
+              <a:buNone/>
+            </a:pPr>
+            <a:fld id="{00000000-1234-1234-1234-123412341234}" type="slidenum">
+              <a:rPr lang="en"/>
+              <a:t>‹#›</a:t>
+            </a:fld>
+          </a:p>
+        </p:txBody>
+      </p:sp>
+      <p:sp>
+        <p:nvSpPr>
+          <p:cNvPr id="110" name="Shape 110"/>
+          <p:cNvSpPr txBox="1"/>
+          <p:nvPr>
+            <p:ph type="title"/>
+          </p:nvPr>
+        </p:nvSpPr>
+        <p:spPr>
+          <a:xfrm>
+            <a:off x="311650" y="123291"/>
+            <a:ext cx="8520599" cy="763500"/>
+          </a:xfrm>
+          <a:prstGeom prst="rect">
+            <a:avLst/>
+          </a:prstGeom>
+        </p:spPr>
+        <p:txBody>
+          <a:bodyPr anchorCtr="0" anchor="t" bIns="91425" lIns="91425" rIns="91425" tIns="91425">
+            <a:noAutofit/>
+          </a:bodyPr>
+          <a:lstStyle/>
+          <a:p>
+            <a:pPr lvl="0" rtl="0">
+              <a:spcBef>
+                <a:spcPts val="0"/>
+              </a:spcBef>
+              <a:buNone/>
+            </a:pPr>
+            <a:r>
+              <a:rPr lang="en"/>
+              <a:t>Opció B</a:t>
+            </a:r>
+          </a:p>
+        </p:txBody>
+      </p:sp>
+      <p:sp>
+        <p:nvSpPr>
+          <p:cNvPr id="111" name="Shape 111"/>
+          <p:cNvSpPr txBox="1"/>
+          <p:nvPr>
+            <p:ph idx="2" type="sldNum"/>
+          </p:nvPr>
+        </p:nvSpPr>
+        <p:spPr>
+          <a:xfrm>
+            <a:off x="8472457" y="6217622"/>
+            <a:ext cx="548699" cy="524699"/>
+          </a:xfrm>
+          <a:prstGeom prst="rect">
+            <a:avLst/>
+          </a:prstGeom>
+        </p:spPr>
+        <p:txBody>
+          <a:bodyPr anchorCtr="0" anchor="ctr" bIns="91425" lIns="91425" rIns="91425" tIns="91425">
+            <a:noAutofit/>
+          </a:bodyPr>
+          <a:lstStyle/>
+          <a:p>
+            <a:pPr lvl="0" rtl="0">
+              <a:spcBef>
+                <a:spcPts val="0"/>
+              </a:spcBef>
+              <a:buNone/>
+            </a:pPr>
+            <a:fld id="{00000000-1234-1234-1234-123412341234}" type="slidenum">
+              <a:rPr lang="en"/>
+              <a:t>‹#›</a:t>
+            </a:fld>
+          </a:p>
+        </p:txBody>
+      </p:sp>
+      <p:sp>
+        <p:nvSpPr>
+          <p:cNvPr id="112" name="Shape 112"/>
           <p:cNvSpPr txBox="1"/>
           <p:nvPr>
             <p:ph idx="1" type="body"/>
@@ -6124,12 +6701,12 @@
 </p:sld>
 </file>
 
-<file path=ppt/slides/slide5.xml><?xml version="1.0" encoding="utf-8"?>
+<file path=ppt/slides/slide7.xml><?xml version="1.0" encoding="utf-8"?>
 <p:sld xmlns:a="http://schemas.openxmlformats.org/drawingml/2006/main" xmlns:r="http://schemas.openxmlformats.org/officeDocument/2006/relationships" xmlns:mc="http://schemas.openxmlformats.org/markup-compatibility/2006" xmlns:mv="urn:schemas-microsoft-com:mac:vml" xmlns:p="http://schemas.openxmlformats.org/presentationml/2006/main" xmlns:c="http://schemas.openxmlformats.org/drawingml/2006/chart" xmlns:dgm="http://schemas.openxmlformats.org/drawingml/2006/diagram" xmlns:o="urn:schemas-microsoft-com:office:office" xmlns:v="urn:schemas-microsoft-com:vml" xmlns:pvml="urn:schemas-microsoft-com:office:powerpoint" xmlns:com="http://schemas.openxmlformats.org/drawingml/2006/compatibility" xmlns:p14="http://schemas.microsoft.com/office/powerpoint/2010/main">
   <p:cSld>
     <p:spTree>
       <p:nvGrpSpPr>
-        <p:cNvPr id="100" name="Shape 100"/>
+        <p:cNvPr id="116" name="Shape 116"/>
         <p:cNvGrpSpPr/>
         <p:nvPr/>
       </p:nvGrpSpPr>
@@ -6143,7 +6720,7 @@
       </p:grpSpPr>
       <p:sp>
         <p:nvSpPr>
-          <p:cNvPr id="101" name="Shape 101"/>
+          <p:cNvPr id="117" name="Shape 117"/>
           <p:cNvSpPr txBox="1"/>
           <p:nvPr>
             <p:ph idx="12" type="sldNum"/>
@@ -6179,7 +6756,7 @@
       </p:sp>
       <p:sp>
         <p:nvSpPr>
-          <p:cNvPr id="102" name="Shape 102"/>
+          <p:cNvPr id="118" name="Shape 118"/>
           <p:cNvSpPr txBox="1"/>
           <p:nvPr>
             <p:ph type="title"/>
@@ -6208,7 +6785,7 @@
             </a:pPr>
             <a:r>
               <a:rPr lang="en"/>
-              <a:t>Crear un repositori i primer commit</a:t>
+              <a:t>Repositori git</a:t>
             </a:r>
           </a:p>
           <a:p>
@@ -6239,7 +6816,7 @@
       </p:sp>
       <p:sp>
         <p:nvSpPr>
-          <p:cNvPr id="103" name="Shape 103"/>
+          <p:cNvPr id="119" name="Shape 119"/>
           <p:cNvSpPr txBox="1"/>
           <p:nvPr>
             <p:ph idx="2" type="sldNum"/>
@@ -6275,7 +6852,7 @@
       </p:sp>
       <p:sp>
         <p:nvSpPr>
-          <p:cNvPr id="104" name="Shape 104"/>
+          <p:cNvPr id="120" name="Shape 120"/>
           <p:cNvSpPr txBox="1"/>
           <p:nvPr/>
         </p:nvSpPr>
@@ -6304,6 +6881,19 @@
               </a:spcBef>
               <a:buNone/>
             </a:pPr>
+            <a:r>
+              <a:rPr lang="en" u="sng">
+                <a:solidFill>
+                  <a:schemeClr val="hlink"/>
+                </a:solidFill>
+                <a:latin typeface="Open Sans"/>
+                <a:ea typeface="Open Sans"/>
+                <a:cs typeface="Open Sans"/>
+                <a:sym typeface="Open Sans"/>
+                <a:hlinkClick r:id="rId3"/>
+              </a:rPr>
+              <a:t>https://gitlab.fib.upc.edu/</a:t>
+            </a:r>
             <a:r>
               <a:rPr lang="en">
                 <a:solidFill>
@@ -6314,19 +6904,19 @@
                 <a:cs typeface="Open Sans"/>
                 <a:sym typeface="Open Sans"/>
               </a:rPr>
-              <a:t>https://gitlab.fib.upc.edu/</a:t>
+              <a:t> </a:t>
             </a:r>
           </a:p>
         </p:txBody>
       </p:sp>
       <p:pic>
         <p:nvPicPr>
-          <p:cNvPr id="105" name="Shape 105"/>
+          <p:cNvPr id="121" name="Shape 121"/>
           <p:cNvPicPr preferRelativeResize="0"/>
           <p:nvPr/>
         </p:nvPicPr>
         <p:blipFill>
-          <a:blip r:embed="rId3">
+          <a:blip r:embed="rId4">
             <a:alphaModFix/>
           </a:blip>
           <a:stretch>
@@ -6349,12 +6939,12 @@
       </p:pic>
       <p:pic>
         <p:nvPicPr>
-          <p:cNvPr id="106" name="Shape 106"/>
+          <p:cNvPr id="122" name="Shape 122"/>
           <p:cNvPicPr preferRelativeResize="0"/>
           <p:nvPr/>
         </p:nvPicPr>
         <p:blipFill rotWithShape="1">
-          <a:blip r:embed="rId4">
+          <a:blip r:embed="rId5">
             <a:alphaModFix/>
           </a:blip>
           <a:srcRect b="0" l="51648" r="0" t="0"/>
@@ -6376,35 +6966,7 @@
       </p:pic>
       <p:pic>
         <p:nvPicPr>
-          <p:cNvPr id="107" name="Shape 107"/>
-          <p:cNvPicPr preferRelativeResize="0"/>
-          <p:nvPr/>
-        </p:nvPicPr>
-        <p:blipFill>
-          <a:blip r:embed="rId5">
-            <a:alphaModFix/>
-          </a:blip>
-          <a:stretch>
-            <a:fillRect/>
-          </a:stretch>
-        </p:blipFill>
-        <p:spPr>
-          <a:xfrm>
-            <a:off x="4784607" y="2080948"/>
-            <a:ext cx="4132392" cy="1531750"/>
-          </a:xfrm>
-          <a:prstGeom prst="rect">
-            <a:avLst/>
-          </a:prstGeom>
-          <a:noFill/>
-          <a:ln>
-            <a:noFill/>
-          </a:ln>
-        </p:spPr>
-      </p:pic>
-      <p:pic>
-        <p:nvPicPr>
-          <p:cNvPr id="108" name="Shape 108"/>
+          <p:cNvPr id="123" name="Shape 123"/>
           <p:cNvPicPr preferRelativeResize="0"/>
           <p:nvPr/>
         </p:nvPicPr>
@@ -6418,8 +6980,64 @@
         </p:blipFill>
         <p:spPr>
           <a:xfrm>
-            <a:off x="2378412" y="4103231"/>
+            <a:off x="4784607" y="2080948"/>
+            <a:ext cx="4132392" cy="1531750"/>
+          </a:xfrm>
+          <a:prstGeom prst="rect">
+            <a:avLst/>
+          </a:prstGeom>
+          <a:noFill/>
+          <a:ln>
+            <a:noFill/>
+          </a:ln>
+        </p:spPr>
+      </p:pic>
+      <p:pic>
+        <p:nvPicPr>
+          <p:cNvPr id="124" name="Shape 124"/>
+          <p:cNvPicPr preferRelativeResize="0"/>
+          <p:nvPr/>
+        </p:nvPicPr>
+        <p:blipFill>
+          <a:blip r:embed="rId7">
+            <a:alphaModFix/>
+          </a:blip>
+          <a:stretch>
+            <a:fillRect/>
+          </a:stretch>
+        </p:blipFill>
+        <p:spPr>
+          <a:xfrm>
+            <a:off x="695537" y="4103231"/>
             <a:ext cx="4387173" cy="1626199"/>
+          </a:xfrm>
+          <a:prstGeom prst="rect">
+            <a:avLst/>
+          </a:prstGeom>
+          <a:noFill/>
+          <a:ln>
+            <a:noFill/>
+          </a:ln>
+        </p:spPr>
+      </p:pic>
+      <p:pic>
+        <p:nvPicPr>
+          <p:cNvPr id="125" name="Shape 125"/>
+          <p:cNvPicPr preferRelativeResize="0"/>
+          <p:nvPr/>
+        </p:nvPicPr>
+        <p:blipFill>
+          <a:blip r:embed="rId8">
+            <a:alphaModFix/>
+          </a:blip>
+          <a:stretch>
+            <a:fillRect/>
+          </a:stretch>
+        </p:blipFill>
+        <p:spPr>
+          <a:xfrm>
+            <a:off x="6219812" y="4361537"/>
+            <a:ext cx="1261975" cy="1261975"/>
           </a:xfrm>
           <a:prstGeom prst="rect">
             <a:avLst/>
@@ -6441,7 +7059,297 @@
 </p:sld>
 </file>
 
-<file path=ppt/slides/slide6.xml><?xml version="1.0" encoding="utf-8"?>
+<file path=ppt/slides/slide8.xml><?xml version="1.0" encoding="utf-8"?>
+<p:sld xmlns:a="http://schemas.openxmlformats.org/drawingml/2006/main" xmlns:r="http://schemas.openxmlformats.org/officeDocument/2006/relationships" xmlns:mc="http://schemas.openxmlformats.org/markup-compatibility/2006" xmlns:mv="urn:schemas-microsoft-com:mac:vml" xmlns:p="http://schemas.openxmlformats.org/presentationml/2006/main" xmlns:c="http://schemas.openxmlformats.org/drawingml/2006/chart" xmlns:dgm="http://schemas.openxmlformats.org/drawingml/2006/diagram" xmlns:o="urn:schemas-microsoft-com:office:office" xmlns:v="urn:schemas-microsoft-com:vml" xmlns:pvml="urn:schemas-microsoft-com:office:powerpoint" xmlns:com="http://schemas.openxmlformats.org/drawingml/2006/compatibility" xmlns:p14="http://schemas.microsoft.com/office/powerpoint/2010/main">
+  <p:cSld>
+    <p:spTree>
+      <p:nvGrpSpPr>
+        <p:cNvPr id="129" name="Shape 129"/>
+        <p:cNvGrpSpPr/>
+        <p:nvPr/>
+      </p:nvGrpSpPr>
+      <p:grpSpPr>
+        <a:xfrm>
+          <a:off x="0" y="0"/>
+          <a:ext cx="0" cy="0"/>
+          <a:chOff x="0" y="0"/>
+          <a:chExt cx="0" cy="0"/>
+        </a:xfrm>
+      </p:grpSpPr>
+      <p:sp>
+        <p:nvSpPr>
+          <p:cNvPr id="130" name="Shape 130"/>
+          <p:cNvSpPr txBox="1"/>
+          <p:nvPr>
+            <p:ph idx="1" type="body"/>
+          </p:nvPr>
+        </p:nvSpPr>
+        <p:spPr>
+          <a:xfrm>
+            <a:off x="311700" y="1536633"/>
+            <a:ext cx="8520599" cy="4555199"/>
+          </a:xfrm>
+          <a:prstGeom prst="rect">
+            <a:avLst/>
+          </a:prstGeom>
+        </p:spPr>
+        <p:txBody>
+          <a:bodyPr anchorCtr="0" anchor="ctr" bIns="91425" lIns="91425" rIns="91425" tIns="91425">
+            <a:noAutofit/>
+          </a:bodyPr>
+          <a:lstStyle/>
+          <a:p>
+            <a:pPr indent="-381000" lvl="0" marL="457200" rtl="0">
+              <a:lnSpc>
+                <a:spcPct val="150000"/>
+              </a:lnSpc>
+              <a:spcBef>
+                <a:spcPts val="0"/>
+              </a:spcBef>
+              <a:buSzPct val="100000"/>
+            </a:pPr>
+            <a:r>
+              <a:rPr lang="en" sz="2400"/>
+              <a:t>És important l’històric de commits</a:t>
+            </a:r>
+          </a:p>
+          <a:p>
+            <a:pPr indent="-381000" lvl="0" marL="457200" rtl="0">
+              <a:lnSpc>
+                <a:spcPct val="150000"/>
+              </a:lnSpc>
+              <a:spcBef>
+                <a:spcPts val="0"/>
+              </a:spcBef>
+              <a:buSzPct val="100000"/>
+            </a:pPr>
+            <a:r>
+              <a:rPr lang="en" sz="2400"/>
+              <a:t>És interessant provar de fer branques</a:t>
+            </a:r>
+          </a:p>
+          <a:p>
+            <a:pPr indent="-381000" lvl="0" marL="457200" rtl="0">
+              <a:lnSpc>
+                <a:spcPct val="150000"/>
+              </a:lnSpc>
+              <a:spcBef>
+                <a:spcPts val="0"/>
+              </a:spcBef>
+              <a:buSzPct val="100000"/>
+            </a:pPr>
+            <a:r>
+              <a:rPr lang="en" sz="2400"/>
+              <a:t>Hem de poder accedir</a:t>
+            </a:r>
+          </a:p>
+          <a:p>
+            <a:pPr indent="-381000" lvl="1" marL="914400" rtl="0">
+              <a:spcBef>
+                <a:spcPts val="0"/>
+              </a:spcBef>
+              <a:buSzPct val="100000"/>
+            </a:pPr>
+            <a:r>
+              <a:rPr lang="en" sz="2400"/>
+              <a:t>Public</a:t>
+            </a:r>
+          </a:p>
+          <a:p>
+            <a:pPr indent="-381000" lvl="1" marL="914400" rtl="0">
+              <a:spcBef>
+                <a:spcPts val="0"/>
+              </a:spcBef>
+              <a:buSzPct val="100000"/>
+            </a:pPr>
+            <a:r>
+              <a:rPr lang="en" sz="2400"/>
+              <a:t>Privat amb accés a usuaris:</a:t>
+            </a:r>
+          </a:p>
+          <a:p>
+            <a:pPr indent="-342900" lvl="2" marL="1371600" rtl="0">
+              <a:spcBef>
+                <a:spcPts val="0"/>
+              </a:spcBef>
+              <a:buSzPct val="100000"/>
+            </a:pPr>
+            <a:r>
+              <a:rPr lang="en" sz="1800"/>
+              <a:t>Gitlab FIB: nestor.malet</a:t>
+            </a:r>
+          </a:p>
+          <a:p>
+            <a:pPr indent="-342900" lvl="2" marL="1371600">
+              <a:spcBef>
+                <a:spcPts val="0"/>
+              </a:spcBef>
+              <a:buSzPct val="100000"/>
+            </a:pPr>
+            <a:r>
+              <a:rPr lang="en" sz="1800"/>
+              <a:t>GitHub / Bitbucket: </a:t>
+            </a:r>
+            <a:r>
+              <a:rPr lang="en" sz="1800">
+                <a:solidFill>
+                  <a:schemeClr val="dk1"/>
+                </a:solidFill>
+              </a:rPr>
+              <a:t>juanramon - </a:t>
+            </a:r>
+            <a:r>
+              <a:rPr lang="en" sz="1800"/>
+              <a:t> </a:t>
+            </a:r>
+            <a:r>
+              <a:rPr lang="en" sz="1800">
+                <a:solidFill>
+                  <a:schemeClr val="dk1"/>
+                </a:solidFill>
+              </a:rPr>
+              <a:t>nmaletm</a:t>
+            </a:r>
+          </a:p>
+        </p:txBody>
+      </p:sp>
+      <p:sp>
+        <p:nvSpPr>
+          <p:cNvPr id="131" name="Shape 131"/>
+          <p:cNvSpPr txBox="1"/>
+          <p:nvPr>
+            <p:ph idx="12" type="sldNum"/>
+          </p:nvPr>
+        </p:nvSpPr>
+        <p:spPr>
+          <a:xfrm>
+            <a:off x="8472457" y="8290163"/>
+            <a:ext cx="548699" cy="699599"/>
+          </a:xfrm>
+          <a:prstGeom prst="rect">
+            <a:avLst/>
+          </a:prstGeom>
+        </p:spPr>
+        <p:txBody>
+          <a:bodyPr anchorCtr="0" anchor="ctr" bIns="91425" lIns="91425" rIns="91425" tIns="91425">
+            <a:noAutofit/>
+          </a:bodyPr>
+          <a:lstStyle/>
+          <a:p>
+            <a:pPr lvl="0">
+              <a:spcBef>
+                <a:spcPts val="0"/>
+              </a:spcBef>
+              <a:buNone/>
+            </a:pPr>
+            <a:fld id="{00000000-1234-1234-1234-123412341234}" type="slidenum">
+              <a:rPr lang="en"/>
+              <a:t>‹#›</a:t>
+            </a:fld>
+          </a:p>
+        </p:txBody>
+      </p:sp>
+      <p:sp>
+        <p:nvSpPr>
+          <p:cNvPr id="132" name="Shape 132"/>
+          <p:cNvSpPr txBox="1"/>
+          <p:nvPr>
+            <p:ph type="title"/>
+          </p:nvPr>
+        </p:nvSpPr>
+        <p:spPr>
+          <a:xfrm>
+            <a:off x="311650" y="123291"/>
+            <a:ext cx="8520599" cy="763500"/>
+          </a:xfrm>
+          <a:prstGeom prst="rect">
+            <a:avLst/>
+          </a:prstGeom>
+        </p:spPr>
+        <p:txBody>
+          <a:bodyPr anchorCtr="0" anchor="t" bIns="91425" lIns="91425" rIns="91425" tIns="91425">
+            <a:noAutofit/>
+          </a:bodyPr>
+          <a:lstStyle/>
+          <a:p>
+            <a:pPr lvl="0" rtl="0">
+              <a:spcBef>
+                <a:spcPts val="0"/>
+              </a:spcBef>
+              <a:buClr>
+                <a:schemeClr val="dk1"/>
+              </a:buClr>
+              <a:buSzPct val="30555"/>
+              <a:buFont typeface="Arial"/>
+              <a:buNone/>
+            </a:pPr>
+            <a:r>
+              <a:rPr lang="en"/>
+              <a:t>Repositori git</a:t>
+            </a:r>
+          </a:p>
+          <a:p>
+            <a:pPr lvl="0">
+              <a:spcBef>
+                <a:spcPts val="0"/>
+              </a:spcBef>
+              <a:buNone/>
+            </a:pPr>
+            <a:r>
+              <a:t/>
+            </a:r>
+            <a:endParaRPr/>
+          </a:p>
+        </p:txBody>
+      </p:sp>
+      <p:sp>
+        <p:nvSpPr>
+          <p:cNvPr id="133" name="Shape 133"/>
+          <p:cNvSpPr txBox="1"/>
+          <p:nvPr>
+            <p:ph idx="2" type="sldNum"/>
+          </p:nvPr>
+        </p:nvSpPr>
+        <p:spPr>
+          <a:xfrm>
+            <a:off x="8472457" y="6217622"/>
+            <a:ext cx="548699" cy="524699"/>
+          </a:xfrm>
+          <a:prstGeom prst="rect">
+            <a:avLst/>
+          </a:prstGeom>
+        </p:spPr>
+        <p:txBody>
+          <a:bodyPr anchorCtr="0" anchor="ctr" bIns="91425" lIns="91425" rIns="91425" tIns="91425">
+            <a:noAutofit/>
+          </a:bodyPr>
+          <a:lstStyle/>
+          <a:p>
+            <a:pPr lvl="0">
+              <a:spcBef>
+                <a:spcPts val="0"/>
+              </a:spcBef>
+              <a:buNone/>
+            </a:pPr>
+            <a:fld id="{00000000-1234-1234-1234-123412341234}" type="slidenum">
+              <a:rPr lang="en"/>
+              <a:t>‹#›</a:t>
+            </a:fld>
+          </a:p>
+        </p:txBody>
+      </p:sp>
+    </p:spTree>
+  </p:cSld>
+  <p:clrMapOvr>
+    <a:masterClrMapping/>
+  </p:clrMapOvr>
+  <p:transition spd="slow">
+    <p:cut/>
+  </p:transition>
+</p:sld>
+</file>
+
+<file path=ppt/slides/slide9.xml><?xml version="1.0" encoding="utf-8"?>
 <p:sld xmlns:a="http://schemas.openxmlformats.org/drawingml/2006/main" xmlns:r="http://schemas.openxmlformats.org/officeDocument/2006/relationships" xmlns:mc="http://schemas.openxmlformats.org/markup-compatibility/2006" xmlns:mv="urn:schemas-microsoft-com:mac:vml" xmlns:p="http://schemas.openxmlformats.org/presentationml/2006/main" xmlns:c="http://schemas.openxmlformats.org/drawingml/2006/chart" xmlns:dgm="http://schemas.openxmlformats.org/drawingml/2006/diagram" xmlns:o="urn:schemas-microsoft-com:office:office" xmlns:v="urn:schemas-microsoft-com:vml" xmlns:pvml="urn:schemas-microsoft-com:office:powerpoint" xmlns:com="http://schemas.openxmlformats.org/drawingml/2006/compatibility" xmlns:p14="http://schemas.microsoft.com/office/powerpoint/2010/main">
   <p:cSld>
     <p:bg>
@@ -6453,7 +7361,7 @@
     </p:bg>
     <p:spTree>
       <p:nvGrpSpPr>
-        <p:cNvPr id="112" name="Shape 112"/>
+        <p:cNvPr id="137" name="Shape 137"/>
         <p:cNvGrpSpPr/>
         <p:nvPr/>
       </p:nvGrpSpPr>
@@ -6467,7 +7375,7 @@
       </p:grpSpPr>
       <p:sp>
         <p:nvSpPr>
-          <p:cNvPr id="113" name="Shape 113"/>
+          <p:cNvPr id="138" name="Shape 138"/>
           <p:cNvSpPr txBox="1"/>
           <p:nvPr>
             <p:ph type="title"/>
@@ -6511,7 +7419,7 @@
       </p:sp>
       <p:sp>
         <p:nvSpPr>
-          <p:cNvPr id="114" name="Shape 114"/>
+          <p:cNvPr id="139" name="Shape 139"/>
           <p:cNvSpPr txBox="1"/>
           <p:nvPr>
             <p:ph idx="12" type="sldNum"/>
